--- a/Presentations/cve-tkl_Bergfest_200318.pptx
+++ b/Presentations/cve-tkl_Bergfest_200318.pptx
@@ -335,7 +335,7 @@
               <a:pPr>
                 <a:defRPr/>
               </a:pPr>
-              <a:t>18.03.2018</a:t>
+              <a:t>19.03.2018</a:t>
             </a:fld>
             <a:endParaRPr lang="de-DE" sz="1000" dirty="0">
               <a:latin typeface="Arial" pitchFamily="34" charset="0"/>
@@ -564,7 +564,7 @@
               <a:pPr>
                 <a:defRPr/>
               </a:pPr>
-              <a:t>18.03.2018</a:t>
+              <a:t>19.03.2018</a:t>
             </a:fld>
             <a:endParaRPr lang="de-DE" dirty="0"/>
           </a:p>
@@ -940,7 +940,59 @@
             </a:r>
             <a:r>
               <a:rPr lang="en-GB" dirty="0" err="1"/>
-              <a:t>Ziel</a:t>
+              <a:t>Arbeit</a:t>
+            </a:r>
+            <a:r>
+              <a:rPr lang="en-GB" dirty="0"/>
+              <a:t> der </a:t>
+            </a:r>
+            <a:r>
+              <a:rPr lang="en-GB" dirty="0" err="1"/>
+              <a:t>letzten</a:t>
+            </a:r>
+            <a:r>
+              <a:rPr lang="en-GB" dirty="0"/>
+              <a:t> 5 </a:t>
+            </a:r>
+            <a:r>
+              <a:rPr lang="en-GB" dirty="0" err="1"/>
+              <a:t>Monate</a:t>
+            </a:r>
+            <a:r>
+              <a:rPr lang="en-GB" dirty="0"/>
+              <a:t> </a:t>
+            </a:r>
+            <a:r>
+              <a:rPr lang="en-GB" dirty="0" err="1"/>
+              <a:t>bei</a:t>
+            </a:r>
+            <a:r>
+              <a:rPr lang="en-GB" dirty="0"/>
+              <a:t> Emerson</a:t>
+            </a:r>
+          </a:p>
+          <a:p>
+            <a:r>
+              <a:rPr lang="en-GB" dirty="0"/>
+              <a:t>-</a:t>
+            </a:r>
+            <a:r>
+              <a:rPr lang="en-GB" dirty="0" err="1"/>
+              <a:t>Unterstützung</a:t>
+            </a:r>
+            <a:r>
+              <a:rPr lang="en-GB" dirty="0"/>
+              <a:t> des Teams Integrated Solutions</a:t>
+            </a:r>
+          </a:p>
+          <a:p>
+            <a:r>
+              <a:rPr lang="en-GB" dirty="0"/>
+              <a:t>-</a:t>
+            </a:r>
+            <a:r>
+              <a:rPr lang="en-GB" dirty="0" err="1"/>
+              <a:t>Fokus</a:t>
             </a:r>
             <a:r>
               <a:rPr lang="en-GB" dirty="0"/>
@@ -948,6 +1000,164 @@
             </a:r>
             <a:r>
               <a:rPr lang="en-GB" dirty="0" err="1"/>
+              <a:t>vertikales</a:t>
+            </a:r>
+            <a:r>
+              <a:rPr lang="en-GB" dirty="0"/>
+              <a:t> </a:t>
+            </a:r>
+            <a:r>
+              <a:rPr lang="en-GB" dirty="0" err="1"/>
+              <a:t>Kühlmöbel</a:t>
+            </a:r>
+            <a:r>
+              <a:rPr lang="en-GB" dirty="0"/>
+              <a:t> </a:t>
+            </a:r>
+            <a:r>
+              <a:rPr lang="en-GB" dirty="0" err="1"/>
+              <a:t>für</a:t>
+            </a:r>
+            <a:r>
+              <a:rPr lang="en-GB" dirty="0"/>
+              <a:t> </a:t>
+            </a:r>
+            <a:r>
+              <a:rPr lang="en-GB" dirty="0" err="1"/>
+              <a:t>Normalkühlung</a:t>
+            </a:r>
+            <a:r>
+              <a:rPr lang="en-GB" dirty="0"/>
+              <a:t> </a:t>
+            </a:r>
+            <a:r>
+              <a:rPr lang="en-GB" dirty="0" err="1"/>
+              <a:t>für</a:t>
+            </a:r>
+            <a:r>
+              <a:rPr lang="en-GB" dirty="0"/>
+              <a:t> </a:t>
+            </a:r>
+            <a:r>
+              <a:rPr lang="en-GB" dirty="0" err="1"/>
+              <a:t>dessen</a:t>
+            </a:r>
+            <a:r>
+              <a:rPr lang="en-GB" dirty="0"/>
+              <a:t> </a:t>
+            </a:r>
+            <a:r>
+              <a:rPr lang="en-GB" dirty="0" err="1"/>
+              <a:t>Produktion</a:t>
+            </a:r>
+            <a:r>
+              <a:rPr lang="en-GB" dirty="0"/>
+              <a:t> Emerson Scrolls </a:t>
+            </a:r>
+            <a:r>
+              <a:rPr lang="en-GB" dirty="0" err="1"/>
+              <a:t>stellt</a:t>
+            </a:r>
+            <a:endParaRPr lang="en-GB" dirty="0"/>
+          </a:p>
+          <a:p>
+            <a:r>
+              <a:rPr lang="en-GB" dirty="0"/>
+              <a:t>-</a:t>
+            </a:r>
+            <a:r>
+              <a:rPr lang="en-GB" dirty="0" err="1"/>
+              <a:t>Abzusehen</a:t>
+            </a:r>
+            <a:r>
+              <a:rPr lang="en-GB" dirty="0"/>
+              <a:t>, </a:t>
+            </a:r>
+            <a:r>
+              <a:rPr lang="en-GB" dirty="0" err="1"/>
+              <a:t>dass</a:t>
+            </a:r>
+            <a:r>
+              <a:rPr lang="en-GB" dirty="0"/>
+              <a:t> </a:t>
+            </a:r>
+            <a:r>
+              <a:rPr lang="en-GB" dirty="0" err="1"/>
+              <a:t>Beschwerden</a:t>
+            </a:r>
+            <a:r>
+              <a:rPr lang="en-GB" dirty="0"/>
+              <a:t> </a:t>
+            </a:r>
+            <a:r>
+              <a:rPr lang="en-GB" dirty="0" err="1"/>
+              <a:t>laut</a:t>
+            </a:r>
+            <a:r>
+              <a:rPr lang="en-GB" dirty="0"/>
+              <a:t> </a:t>
+            </a:r>
+            <a:r>
+              <a:rPr lang="en-GB" dirty="0" err="1"/>
+              <a:t>werden</a:t>
+            </a:r>
+            <a:r>
+              <a:rPr lang="en-GB" dirty="0"/>
+              <a:t> </a:t>
+            </a:r>
+            <a:r>
+              <a:rPr lang="en-GB" dirty="0" err="1"/>
+              <a:t>weil</a:t>
+            </a:r>
+            <a:r>
+              <a:rPr lang="en-GB" dirty="0"/>
+              <a:t> </a:t>
+            </a:r>
+            <a:r>
+              <a:rPr lang="en-GB" dirty="0" err="1"/>
+              <a:t>Produkttemperatur</a:t>
+            </a:r>
+            <a:r>
+              <a:rPr lang="en-GB" dirty="0"/>
+              <a:t> </a:t>
+            </a:r>
+            <a:r>
+              <a:rPr lang="en-GB" dirty="0" err="1"/>
+              <a:t>nicht</a:t>
+            </a:r>
+            <a:r>
+              <a:rPr lang="en-GB" dirty="0"/>
+              <a:t> </a:t>
+            </a:r>
+            <a:r>
+              <a:rPr lang="en-GB" dirty="0" err="1"/>
+              <a:t>erreicht</a:t>
+            </a:r>
+            <a:r>
+              <a:rPr lang="en-GB" dirty="0"/>
+              <a:t> </a:t>
+            </a:r>
+            <a:r>
+              <a:rPr lang="en-GB" dirty="0" err="1"/>
+              <a:t>wird</a:t>
+            </a:r>
+            <a:endParaRPr lang="en-GB" dirty="0"/>
+          </a:p>
+          <a:p>
+            <a:r>
+              <a:rPr lang="en-GB" dirty="0"/>
+              <a:t>-</a:t>
+            </a:r>
+            <a:r>
+              <a:rPr lang="en-GB" dirty="0" err="1"/>
+              <a:t>Ziel</a:t>
+            </a:r>
+            <a:r>
+              <a:rPr lang="en-GB" dirty="0"/>
+              <a:t>: </a:t>
+            </a:r>
+            <a:r>
+              <a:rPr lang="en-GB" dirty="0" err="1"/>
               <a:t>Optimierung</a:t>
             </a:r>
             <a:r>
@@ -993,68 +1203,6 @@
             <a:r>
               <a:rPr lang="en-GB" dirty="0"/>
               <a:t> von 150g/Kreis</a:t>
-            </a:r>
-          </a:p>
-          <a:p>
-            <a:r>
-              <a:rPr lang="en-GB" dirty="0"/>
-              <a:t>-</a:t>
-            </a:r>
-            <a:r>
-              <a:rPr lang="en-GB" dirty="0" err="1"/>
-              <a:t>Zertifikation</a:t>
-            </a:r>
-            <a:r>
-              <a:rPr lang="en-GB" dirty="0"/>
-              <a:t> </a:t>
-            </a:r>
-            <a:r>
-              <a:rPr lang="en-GB" dirty="0" err="1"/>
-              <a:t>eines</a:t>
-            </a:r>
-            <a:r>
-              <a:rPr lang="en-GB" dirty="0"/>
-              <a:t> </a:t>
-            </a:r>
-            <a:r>
-              <a:rPr lang="en-GB" dirty="0" err="1"/>
-              <a:t>vertikalen</a:t>
-            </a:r>
-            <a:r>
-              <a:rPr lang="en-GB" dirty="0"/>
-              <a:t> </a:t>
-            </a:r>
-            <a:r>
-              <a:rPr lang="en-GB" dirty="0" err="1"/>
-              <a:t>Kühlmöbels</a:t>
-            </a:r>
-            <a:r>
-              <a:rPr lang="en-GB" dirty="0"/>
-              <a:t> </a:t>
-            </a:r>
-            <a:r>
-              <a:rPr lang="en-GB" dirty="0" err="1"/>
-              <a:t>bei</a:t>
-            </a:r>
-            <a:r>
-              <a:rPr lang="en-GB" dirty="0"/>
-              <a:t> </a:t>
-            </a:r>
-            <a:r>
-              <a:rPr lang="en-GB" dirty="0" err="1"/>
-              <a:t>Klimaklasse</a:t>
-            </a:r>
-            <a:r>
-              <a:rPr lang="en-GB" dirty="0"/>
-              <a:t> 3: 25°C, 60% </a:t>
-            </a:r>
-            <a:r>
-              <a:rPr lang="en-GB" dirty="0" err="1"/>
-              <a:t>r.F</a:t>
-            </a:r>
-            <a:r>
-              <a:rPr lang="en-GB" dirty="0"/>
-              <a:t>. </a:t>
             </a:r>
           </a:p>
           <a:p>
@@ -1066,6 +1214,67 @@
     <p:extLst>
       <p:ext uri="{BB962C8B-B14F-4D97-AF65-F5344CB8AC3E}">
         <p14:creationId xmlns:p14="http://schemas.microsoft.com/office/powerpoint/2010/main" val="3603617825"/>
+      </p:ext>
+    </p:extLst>
+  </p:cSld>
+  <p:clrMapOvr>
+    <a:masterClrMapping/>
+  </p:clrMapOvr>
+</p:notes>
+</file>
+
+<file path=ppt/notesSlides/notesSlide10.xml><?xml version="1.0" encoding="utf-8"?>
+<p:notes xmlns:a="http://schemas.openxmlformats.org/drawingml/2006/main" xmlns:r="http://schemas.openxmlformats.org/officeDocument/2006/relationships" xmlns:p="http://schemas.openxmlformats.org/presentationml/2006/main">
+  <p:cSld>
+    <p:spTree>
+      <p:nvGrpSpPr>
+        <p:cNvPr id="1" name=""/>
+        <p:cNvGrpSpPr/>
+        <p:nvPr/>
+      </p:nvGrpSpPr>
+      <p:grpSpPr>
+        <a:xfrm>
+          <a:off x="0" y="0"/>
+          <a:ext cx="0" cy="0"/>
+          <a:chOff x="0" y="0"/>
+          <a:chExt cx="0" cy="0"/>
+        </a:xfrm>
+      </p:grpSpPr>
+      <p:sp>
+        <p:nvSpPr>
+          <p:cNvPr id="2" name="Slide Image Placeholder 1"/>
+          <p:cNvSpPr>
+            <a:spLocks noGrp="1" noRot="1" noChangeAspect="1"/>
+          </p:cNvSpPr>
+          <p:nvPr>
+            <p:ph type="sldImg"/>
+          </p:nvPr>
+        </p:nvSpPr>
+        <p:spPr/>
+      </p:sp>
+      <p:sp>
+        <p:nvSpPr>
+          <p:cNvPr id="3" name="Notes Placeholder 2"/>
+          <p:cNvSpPr>
+            <a:spLocks noGrp="1"/>
+          </p:cNvSpPr>
+          <p:nvPr>
+            <p:ph type="body" idx="1"/>
+          </p:nvPr>
+        </p:nvSpPr>
+        <p:spPr/>
+        <p:txBody>
+          <a:bodyPr/>
+          <a:lstStyle/>
+          <a:p>
+            <a:endParaRPr lang="en-GB" dirty="0"/>
+          </a:p>
+        </p:txBody>
+      </p:sp>
+    </p:spTree>
+    <p:extLst>
+      <p:ext uri="{BB962C8B-B14F-4D97-AF65-F5344CB8AC3E}">
+        <p14:creationId xmlns:p14="http://schemas.microsoft.com/office/powerpoint/2010/main" val="3017901041"/>
       </p:ext>
     </p:extLst>
   </p:cSld>
@@ -1213,6 +1422,85 @@
             <a:endParaRPr lang="en-GB" dirty="0"/>
           </a:p>
           <a:p>
+            <a:pPr marL="0" marR="0" lvl="0" indent="0" algn="l" defTabSz="914400" rtl="0" eaLnBrk="1" fontAlgn="base" latinLnBrk="0" hangingPunct="1">
+              <a:lnSpc>
+                <a:spcPct val="100000"/>
+              </a:lnSpc>
+              <a:spcBef>
+                <a:spcPct val="30000"/>
+              </a:spcBef>
+              <a:spcAft>
+                <a:spcPct val="0"/>
+              </a:spcAft>
+              <a:buClrTx/>
+              <a:buSzTx/>
+              <a:buFontTx/>
+              <a:buNone/>
+              <a:tabLst/>
+              <a:defRPr/>
+            </a:pPr>
+            <a:r>
+              <a:rPr lang="en-GB" dirty="0"/>
+              <a:t>-</a:t>
+            </a:r>
+            <a:r>
+              <a:rPr lang="en-GB" dirty="0" err="1"/>
+              <a:t>Zertifikation</a:t>
+            </a:r>
+            <a:r>
+              <a:rPr lang="en-GB" dirty="0"/>
+              <a:t> </a:t>
+            </a:r>
+            <a:r>
+              <a:rPr lang="en-GB" dirty="0" err="1"/>
+              <a:t>eines</a:t>
+            </a:r>
+            <a:r>
+              <a:rPr lang="en-GB" dirty="0"/>
+              <a:t> </a:t>
+            </a:r>
+            <a:r>
+              <a:rPr lang="en-GB" dirty="0" err="1"/>
+              <a:t>vertikalen</a:t>
+            </a:r>
+            <a:r>
+              <a:rPr lang="en-GB" dirty="0"/>
+              <a:t> </a:t>
+            </a:r>
+            <a:r>
+              <a:rPr lang="en-GB" dirty="0" err="1"/>
+              <a:t>Kühlmöbels</a:t>
+            </a:r>
+            <a:r>
+              <a:rPr lang="en-GB" dirty="0"/>
+              <a:t> </a:t>
+            </a:r>
+            <a:r>
+              <a:rPr lang="en-GB" dirty="0" err="1"/>
+              <a:t>bei</a:t>
+            </a:r>
+            <a:r>
+              <a:rPr lang="en-GB" dirty="0"/>
+              <a:t> </a:t>
+            </a:r>
+            <a:r>
+              <a:rPr lang="en-GB" dirty="0" err="1"/>
+              <a:t>Klimaklasse</a:t>
+            </a:r>
+            <a:r>
+              <a:rPr lang="en-GB" dirty="0"/>
+              <a:t> 3: 25°C, 60% </a:t>
+            </a:r>
+            <a:r>
+              <a:rPr lang="en-GB" dirty="0" err="1"/>
+              <a:t>r.F</a:t>
+            </a:r>
+            <a:r>
+              <a:rPr lang="en-GB" dirty="0"/>
+              <a:t>. </a:t>
+            </a:r>
+          </a:p>
+          <a:p>
             <a:r>
               <a:rPr lang="en-GB" dirty="0"/>
               <a:t>-Problem: </a:t>
@@ -1277,6 +1565,9 @@
               <a:rPr lang="en-GB" dirty="0" err="1"/>
               <a:t>nötig</a:t>
             </a:r>
+            <a:endParaRPr lang="en-GB" dirty="0"/>
+          </a:p>
+          <a:p>
             <a:endParaRPr lang="en-GB" dirty="0"/>
           </a:p>
         </p:txBody>
@@ -1606,6 +1897,12 @@
               <a:t>-Durchgeführte Versuche: Vergleich von Ölen, Kompressoren, Validierung des Modells</a:t>
             </a:r>
           </a:p>
+          <a:p>
+            <a:r>
+              <a:rPr lang="de-DE" dirty="0"/>
+              <a:t>-Weg von: wir verkaufen Scrolls, hin zu: wir verkaufen ganzheitl. Lösung und garantieren Funktion!</a:t>
+            </a:r>
+          </a:p>
         </p:txBody>
       </p:sp>
     </p:spTree>
@@ -1963,7 +2260,9 @@
               </a:rPr>
               <a:t>Fehlern</a:t>
             </a:r>
-            <a:endParaRPr lang="en-GB" dirty="0"/>
+            <a:endParaRPr lang="en-GB" dirty="0">
+              <a:sym typeface="Wingdings" panose="05000000000000000000" pitchFamily="2" charset="2"/>
+            </a:endParaRPr>
           </a:p>
         </p:txBody>
       </p:sp>
@@ -2067,6 +2366,65 @@
             <a:endParaRPr lang="en-GB" dirty="0"/>
           </a:p>
           <a:p>
+            <a:r>
+              <a:rPr lang="en-GB" dirty="0"/>
+              <a:t>-</a:t>
+            </a:r>
+            <a:r>
+              <a:rPr lang="en-GB" dirty="0" err="1"/>
+              <a:t>Probleme</a:t>
+            </a:r>
+            <a:r>
+              <a:rPr lang="en-GB" dirty="0"/>
+              <a:t>: E </a:t>
+            </a:r>
+            <a:r>
+              <a:rPr lang="en-GB" dirty="0" err="1"/>
+              <a:t>nimmt</a:t>
+            </a:r>
+            <a:r>
+              <a:rPr lang="en-GB" dirty="0"/>
+              <a:t> </a:t>
+            </a:r>
+            <a:r>
+              <a:rPr lang="en-GB" dirty="0" err="1"/>
+              <a:t>Werte</a:t>
+            </a:r>
+            <a:r>
+              <a:rPr lang="en-GB" dirty="0"/>
+              <a:t> </a:t>
+            </a:r>
+            <a:r>
+              <a:rPr lang="en-GB" dirty="0" err="1"/>
+              <a:t>außerhalb</a:t>
+            </a:r>
+            <a:r>
+              <a:rPr lang="en-GB" dirty="0"/>
+              <a:t> von 0 und 1 an -&gt; </a:t>
+            </a:r>
+            <a:r>
+              <a:rPr lang="en-GB" dirty="0" err="1"/>
+              <a:t>nicht</a:t>
+            </a:r>
+            <a:r>
+              <a:rPr lang="en-GB" dirty="0"/>
+              <a:t> </a:t>
+            </a:r>
+            <a:r>
+              <a:rPr lang="en-GB" dirty="0" err="1"/>
+              <a:t>uneingeschränkter</a:t>
+            </a:r>
+            <a:r>
+              <a:rPr lang="en-GB" dirty="0"/>
+              <a:t> </a:t>
+            </a:r>
+            <a:r>
+              <a:rPr lang="en-GB" dirty="0" err="1"/>
+              <a:t>Gültigkeitsbereich</a:t>
+            </a:r>
+            <a:endParaRPr lang="en-GB" dirty="0"/>
+          </a:p>
+          <a:p>
             <a:endParaRPr lang="en-GB" dirty="0"/>
           </a:p>
         </p:txBody>
@@ -2113,8 +2471,8 @@
         </p:nvSpPr>
         <p:spPr/>
       </p:sp>
-      <mc:AlternateContent xmlns:mc="http://schemas.openxmlformats.org/markup-compatibility/2006">
-        <mc:Choice xmlns:a14="http://schemas.microsoft.com/office/drawing/2010/main" Requires="a14">
+      <mc:AlternateContent xmlns:mc="http://schemas.openxmlformats.org/markup-compatibility/2006" xmlns:a14="http://schemas.microsoft.com/office/drawing/2010/main">
+        <mc:Choice Requires="a14">
           <p:sp>
             <p:nvSpPr>
               <p:cNvPr id="3" name="Notes Placeholder 2"/>
@@ -2610,7 +2968,7 @@
             </p:txBody>
           </p:sp>
         </mc:Choice>
-        <mc:Fallback>
+        <mc:Fallback xmlns="">
           <p:sp>
             <p:nvSpPr>
               <p:cNvPr id="3" name="Notes Placeholder 2"/>
@@ -3160,6 +3518,105 @@
           <a:bodyPr/>
           <a:lstStyle/>
           <a:p>
+            <a:r>
+              <a:rPr lang="en-GB" dirty="0"/>
+              <a:t>-</a:t>
+            </a:r>
+            <a:r>
+              <a:rPr lang="en-GB" dirty="0" err="1"/>
+              <a:t>wichtig</a:t>
+            </a:r>
+            <a:r>
+              <a:rPr lang="en-GB" dirty="0"/>
+              <a:t>: </a:t>
+            </a:r>
+            <a:r>
+              <a:rPr lang="en-GB" dirty="0" err="1"/>
+              <a:t>konstante</a:t>
+            </a:r>
+            <a:r>
+              <a:rPr lang="en-GB" dirty="0"/>
+              <a:t> </a:t>
+            </a:r>
+            <a:r>
+              <a:rPr lang="en-GB" dirty="0" err="1"/>
+              <a:t>Umgebungsbedingungen</a:t>
+            </a:r>
+            <a:r>
+              <a:rPr lang="en-GB" dirty="0"/>
+              <a:t> um </a:t>
+            </a:r>
+            <a:r>
+              <a:rPr lang="en-GB" dirty="0" err="1"/>
+              <a:t>reproduzierbare</a:t>
+            </a:r>
+            <a:r>
+              <a:rPr lang="en-GB" dirty="0"/>
+              <a:t> </a:t>
+            </a:r>
+            <a:r>
+              <a:rPr lang="en-GB" dirty="0" err="1"/>
+              <a:t>Ergebnisse</a:t>
+            </a:r>
+            <a:r>
+              <a:rPr lang="en-GB" dirty="0"/>
+              <a:t> </a:t>
+            </a:r>
+            <a:r>
+              <a:rPr lang="en-GB" dirty="0" err="1"/>
+              <a:t>zu</a:t>
+            </a:r>
+            <a:r>
+              <a:rPr lang="en-GB" dirty="0"/>
+              <a:t> </a:t>
+            </a:r>
+            <a:r>
+              <a:rPr lang="en-GB" dirty="0" err="1"/>
+              <a:t>erzielen</a:t>
+            </a:r>
+            <a:endParaRPr lang="en-GB" dirty="0"/>
+          </a:p>
+          <a:p>
+            <a:r>
+              <a:rPr lang="en-GB" dirty="0"/>
+              <a:t>-Starke </a:t>
+            </a:r>
+            <a:r>
+              <a:rPr lang="en-GB" dirty="0" err="1"/>
+              <a:t>Wechselwirkungen</a:t>
+            </a:r>
+            <a:r>
+              <a:rPr lang="en-GB" dirty="0"/>
+              <a:t>: </a:t>
+            </a:r>
+            <a:r>
+              <a:rPr lang="en-GB" dirty="0" err="1"/>
+              <a:t>Raumluft</a:t>
+            </a:r>
+            <a:r>
+              <a:rPr lang="en-GB" dirty="0"/>
+              <a:t> &lt;-&gt; </a:t>
+            </a:r>
+            <a:r>
+              <a:rPr lang="en-GB" dirty="0" err="1"/>
+              <a:t>Verdampfungstemperatur</a:t>
+            </a:r>
+            <a:r>
+              <a:rPr lang="en-GB" dirty="0"/>
+              <a:t> &lt;-&gt; </a:t>
+            </a:r>
+            <a:r>
+              <a:rPr lang="en-GB" dirty="0" err="1"/>
+              <a:t>Kälteanlage</a:t>
+            </a:r>
+            <a:r>
+              <a:rPr lang="en-GB" dirty="0"/>
+              <a:t> &lt;-&gt; </a:t>
+            </a:r>
+            <a:r>
+              <a:rPr lang="en-GB" dirty="0" err="1"/>
+              <a:t>Verflüssigerregelung</a:t>
+            </a:r>
             <a:endParaRPr lang="en-GB" dirty="0"/>
           </a:p>
         </p:txBody>
@@ -3167,7 +3624,7 @@
     </p:spTree>
     <p:extLst>
       <p:ext uri="{BB962C8B-B14F-4D97-AF65-F5344CB8AC3E}">
-        <p14:creationId xmlns:p14="http://schemas.microsoft.com/office/powerpoint/2010/main" val="3017901041"/>
+        <p14:creationId xmlns:p14="http://schemas.microsoft.com/office/powerpoint/2010/main" val="543428443"/>
       </p:ext>
     </p:extLst>
   </p:cSld>
@@ -13038,45 +13495,6 @@
           </a:prstGeom>
         </p:spPr>
       </p:pic>
-      <p:pic>
-        <p:nvPicPr>
-          <p:cNvPr id="34" name="Graphic 33">
-            <a:extLst>
-              <a:ext uri="{FF2B5EF4-FFF2-40B4-BE49-F238E27FC236}">
-                <a16:creationId xmlns:a16="http://schemas.microsoft.com/office/drawing/2014/main" id="{635681A9-7CF8-4365-8866-3E6FB4E08E63}"/>
-              </a:ext>
-            </a:extLst>
-          </p:cNvPr>
-          <p:cNvPicPr>
-            <a:picLocks noChangeAspect="1"/>
-          </p:cNvPicPr>
-          <p:nvPr/>
-        </p:nvPicPr>
-        <p:blipFill>
-          <a:blip r:embed="rId5">
-            <a:extLst>
-              <a:ext uri="{28A0092B-C50C-407E-A947-70E740481C1C}">
-                <a14:useLocalDpi xmlns:a14="http://schemas.microsoft.com/office/drawing/2010/main" val="0"/>
-              </a:ext>
-              <a:ext uri="{96DAC541-7B7A-43D3-8B79-37D633B846F1}">
-                <asvg:svgBlip xmlns:asvg="http://schemas.microsoft.com/office/drawing/2016/SVG/main" r:embed="rId6"/>
-              </a:ext>
-            </a:extLst>
-          </a:blip>
-          <a:stretch>
-            <a:fillRect/>
-          </a:stretch>
-        </p:blipFill>
-        <p:spPr>
-          <a:xfrm>
-            <a:off x="4799365" y="-4248099"/>
-            <a:ext cx="6535061" cy="9240437"/>
-          </a:xfrm>
-          <a:prstGeom prst="rect">
-            <a:avLst/>
-          </a:prstGeom>
-        </p:spPr>
-      </p:pic>
       <p:cxnSp>
         <p:nvCxnSpPr>
           <p:cNvPr id="37" name="Straight Arrow Connector 36">
@@ -15074,6 +15492,228 @@
           <a:p>
             <a:pPr lvl="1"/>
             <a:endParaRPr lang="en-GB" dirty="0"/>
+          </a:p>
+        </p:txBody>
+      </p:sp>
+      <p:pic>
+        <p:nvPicPr>
+          <p:cNvPr id="3" name="Graphic 2">
+            <a:extLst>
+              <a:ext uri="{FF2B5EF4-FFF2-40B4-BE49-F238E27FC236}">
+                <a16:creationId xmlns:a16="http://schemas.microsoft.com/office/drawing/2014/main" id="{F14E6A86-C7AF-42A5-8D02-799107D790B6}"/>
+              </a:ext>
+            </a:extLst>
+          </p:cNvPr>
+          <p:cNvPicPr>
+            <a:picLocks noChangeAspect="1"/>
+          </p:cNvPicPr>
+          <p:nvPr/>
+        </p:nvPicPr>
+        <p:blipFill>
+          <a:blip r:embed="rId5">
+            <a:extLst>
+              <a:ext uri="{96DAC541-7B7A-43D3-8B79-37D633B846F1}">
+                <asvg:svgBlip xmlns:asvg="http://schemas.microsoft.com/office/drawing/2016/SVG/main" r:embed="rId6"/>
+              </a:ext>
+            </a:extLst>
+          </a:blip>
+          <a:stretch>
+            <a:fillRect/>
+          </a:stretch>
+        </p:blipFill>
+        <p:spPr>
+          <a:xfrm>
+            <a:off x="4794970" y="1462684"/>
+            <a:ext cx="968234" cy="3529654"/>
+          </a:xfrm>
+          <a:prstGeom prst="rect">
+            <a:avLst/>
+          </a:prstGeom>
+        </p:spPr>
+      </p:pic>
+      <p:cxnSp>
+        <p:nvCxnSpPr>
+          <p:cNvPr id="5" name="Straight Arrow Connector 4">
+            <a:extLst>
+              <a:ext uri="{FF2B5EF4-FFF2-40B4-BE49-F238E27FC236}">
+                <a16:creationId xmlns:a16="http://schemas.microsoft.com/office/drawing/2014/main" id="{93540A45-3E37-4F7B-8191-F6F8F6B893F1}"/>
+              </a:ext>
+            </a:extLst>
+          </p:cNvPr>
+          <p:cNvCxnSpPr/>
+          <p:nvPr/>
+        </p:nvCxnSpPr>
+        <p:spPr>
+          <a:xfrm flipV="1">
+            <a:off x="962025" y="5034587"/>
+            <a:ext cx="0" cy="508963"/>
+          </a:xfrm>
+          <a:prstGeom prst="straightConnector1">
+            <a:avLst/>
+          </a:prstGeom>
+          <a:ln>
+            <a:tailEnd type="triangle"/>
+          </a:ln>
+        </p:spPr>
+        <p:style>
+          <a:lnRef idx="1">
+            <a:schemeClr val="accent1"/>
+          </a:lnRef>
+          <a:fillRef idx="0">
+            <a:schemeClr val="accent1"/>
+          </a:fillRef>
+          <a:effectRef idx="0">
+            <a:schemeClr val="accent1"/>
+          </a:effectRef>
+          <a:fontRef idx="minor">
+            <a:schemeClr val="tx1"/>
+          </a:fontRef>
+        </p:style>
+      </p:cxnSp>
+      <p:sp>
+        <p:nvSpPr>
+          <p:cNvPr id="28" name="TextBox 27">
+            <a:extLst>
+              <a:ext uri="{FF2B5EF4-FFF2-40B4-BE49-F238E27FC236}">
+                <a16:creationId xmlns:a16="http://schemas.microsoft.com/office/drawing/2014/main" id="{2B67E308-E860-4C6E-B752-0EEC1D184892}"/>
+              </a:ext>
+            </a:extLst>
+          </p:cNvPr>
+          <p:cNvSpPr txBox="1"/>
+          <p:nvPr/>
+        </p:nvSpPr>
+        <p:spPr>
+          <a:xfrm>
+            <a:off x="932390" y="5114595"/>
+            <a:ext cx="1764841" cy="338554"/>
+          </a:xfrm>
+          <a:prstGeom prst="rect">
+            <a:avLst/>
+          </a:prstGeom>
+          <a:noFill/>
+        </p:spPr>
+        <p:txBody>
+          <a:bodyPr wrap="square" rtlCol="0">
+            <a:spAutoFit/>
+          </a:bodyPr>
+          <a:lstStyle/>
+          <a:p>
+            <a:pPr defTabSz="685800" eaLnBrk="1" fontAlgn="auto" hangingPunct="1">
+              <a:spcBef>
+                <a:spcPts val="0"/>
+              </a:spcBef>
+              <a:spcAft>
+                <a:spcPts val="0"/>
+              </a:spcAft>
+            </a:pPr>
+            <a:r>
+              <a:rPr lang="en-GB" sz="1600" dirty="0" err="1">
+                <a:solidFill>
+                  <a:prstClr val="black"/>
+                </a:solidFill>
+                <a:latin typeface="Calibri" panose="020F0502020204030204"/>
+              </a:rPr>
+              <a:t>Luft</a:t>
+            </a:r>
+            <a:endParaRPr lang="en-GB" sz="1600" dirty="0">
+              <a:solidFill>
+                <a:prstClr val="black"/>
+              </a:solidFill>
+              <a:latin typeface="Calibri" panose="020F0502020204030204"/>
+            </a:endParaRPr>
+          </a:p>
+        </p:txBody>
+      </p:sp>
+      <p:cxnSp>
+        <p:nvCxnSpPr>
+          <p:cNvPr id="29" name="Straight Arrow Connector 28">
+            <a:extLst>
+              <a:ext uri="{FF2B5EF4-FFF2-40B4-BE49-F238E27FC236}">
+                <a16:creationId xmlns:a16="http://schemas.microsoft.com/office/drawing/2014/main" id="{1D035516-AD4D-474C-BDA4-3D0D56ED54EC}"/>
+              </a:ext>
+            </a:extLst>
+          </p:cNvPr>
+          <p:cNvCxnSpPr/>
+          <p:nvPr/>
+        </p:nvCxnSpPr>
+        <p:spPr>
+          <a:xfrm flipV="1">
+            <a:off x="5250837" y="5034587"/>
+            <a:ext cx="0" cy="508963"/>
+          </a:xfrm>
+          <a:prstGeom prst="straightConnector1">
+            <a:avLst/>
+          </a:prstGeom>
+          <a:ln>
+            <a:tailEnd type="triangle"/>
+          </a:ln>
+        </p:spPr>
+        <p:style>
+          <a:lnRef idx="1">
+            <a:schemeClr val="accent1"/>
+          </a:lnRef>
+          <a:fillRef idx="0">
+            <a:schemeClr val="accent1"/>
+          </a:fillRef>
+          <a:effectRef idx="0">
+            <a:schemeClr val="accent1"/>
+          </a:effectRef>
+          <a:fontRef idx="minor">
+            <a:schemeClr val="tx1"/>
+          </a:fontRef>
+        </p:style>
+      </p:cxnSp>
+      <p:sp>
+        <p:nvSpPr>
+          <p:cNvPr id="30" name="TextBox 29">
+            <a:extLst>
+              <a:ext uri="{FF2B5EF4-FFF2-40B4-BE49-F238E27FC236}">
+                <a16:creationId xmlns:a16="http://schemas.microsoft.com/office/drawing/2014/main" id="{3CA2C420-25D0-4AA3-871C-E63C53E8760C}"/>
+              </a:ext>
+            </a:extLst>
+          </p:cNvPr>
+          <p:cNvSpPr txBox="1"/>
+          <p:nvPr/>
+        </p:nvSpPr>
+        <p:spPr>
+          <a:xfrm>
+            <a:off x="5221202" y="5114595"/>
+            <a:ext cx="1764841" cy="338554"/>
+          </a:xfrm>
+          <a:prstGeom prst="rect">
+            <a:avLst/>
+          </a:prstGeom>
+          <a:noFill/>
+        </p:spPr>
+        <p:txBody>
+          <a:bodyPr wrap="square" rtlCol="0">
+            <a:spAutoFit/>
+          </a:bodyPr>
+          <a:lstStyle/>
+          <a:p>
+            <a:pPr defTabSz="685800" eaLnBrk="1" fontAlgn="auto" hangingPunct="1">
+              <a:spcBef>
+                <a:spcPts val="0"/>
+              </a:spcBef>
+              <a:spcAft>
+                <a:spcPts val="0"/>
+              </a:spcAft>
+            </a:pPr>
+            <a:r>
+              <a:rPr lang="en-GB" sz="1600" dirty="0" err="1">
+                <a:solidFill>
+                  <a:prstClr val="black"/>
+                </a:solidFill>
+                <a:latin typeface="Calibri" panose="020F0502020204030204"/>
+              </a:rPr>
+              <a:t>Luft</a:t>
+            </a:r>
+            <a:endParaRPr lang="en-GB" sz="1600" dirty="0">
+              <a:solidFill>
+                <a:prstClr val="black"/>
+              </a:solidFill>
+              <a:latin typeface="Calibri" panose="020F0502020204030204"/>
+            </a:endParaRPr>
           </a:p>
         </p:txBody>
       </p:sp>
@@ -16530,79 +17170,6 @@
               <a:p>
                 <a:pPr lvl="1"/>
                 <a:r>
-                  <a:rPr lang="en-GB" dirty="0" err="1"/>
-                  <a:t>Verteilparameter</a:t>
-                </a:r>
-                <a:r>
-                  <a:rPr lang="en-GB" dirty="0"/>
-                  <a:t> </a:t>
-                </a:r>
-                <a:r>
-                  <a:rPr lang="en-GB" dirty="0" err="1"/>
-                  <a:t>nimmt</a:t>
-                </a:r>
-                <a:r>
-                  <a:rPr lang="en-GB" dirty="0"/>
-                  <a:t> </a:t>
-                </a:r>
-                <a:r>
-                  <a:rPr lang="en-GB" dirty="0" err="1"/>
-                  <a:t>auch</a:t>
-                </a:r>
-                <a:r>
-                  <a:rPr lang="en-GB" dirty="0"/>
-                  <a:t> </a:t>
-                </a:r>
-                <a:r>
-                  <a:rPr lang="en-GB" dirty="0" err="1"/>
-                  <a:t>Werte</a:t>
-                </a:r>
-                <a:r>
-                  <a:rPr lang="en-GB" dirty="0"/>
-                  <a:t> </a:t>
-                </a:r>
-                <a:r>
-                  <a:rPr lang="en-GB" dirty="0" err="1"/>
-                  <a:t>außerhalb</a:t>
-                </a:r>
-                <a:r>
-                  <a:rPr lang="en-GB" dirty="0"/>
-                  <a:t> von 0 und 1 an </a:t>
-                </a:r>
-                <a:r>
-                  <a:rPr lang="en-GB" dirty="0">
-                    <a:sym typeface="Wingdings" panose="05000000000000000000" pitchFamily="2" charset="2"/>
-                  </a:rPr>
-                  <a:t> </a:t>
-                </a:r>
-                <a:r>
-                  <a:rPr lang="en-GB" dirty="0" err="1">
-                    <a:sym typeface="Wingdings" panose="05000000000000000000" pitchFamily="2" charset="2"/>
-                  </a:rPr>
-                  <a:t>Setzen</a:t>
-                </a:r>
-                <a:r>
-                  <a:rPr lang="en-GB" dirty="0">
-                    <a:sym typeface="Wingdings" panose="05000000000000000000" pitchFamily="2" charset="2"/>
-                  </a:rPr>
-                  <a:t> auf 0 </a:t>
-                </a:r>
-                <a:r>
-                  <a:rPr lang="en-GB" dirty="0" err="1">
-                    <a:sym typeface="Wingdings" panose="05000000000000000000" pitchFamily="2" charset="2"/>
-                  </a:rPr>
-                  <a:t>bzw</a:t>
-                </a:r>
-                <a:r>
-                  <a:rPr lang="en-GB" dirty="0">
-                    <a:sym typeface="Wingdings" panose="05000000000000000000" pitchFamily="2" charset="2"/>
-                  </a:rPr>
-                  <a:t>. 1</a:t>
-                </a:r>
-              </a:p>
-              <a:p>
-                <a:pPr lvl="1"/>
-                <a:r>
                   <a:rPr lang="en-GB" dirty="0" err="1">
                     <a:sym typeface="Wingdings" panose="05000000000000000000" pitchFamily="2" charset="2"/>
                   </a:rPr>
@@ -16772,7 +17339,7 @@
               <a:blipFill>
                 <a:blip r:embed="rId3"/>
                 <a:stretch>
-                  <a:fillRect l="-1707" b="-1382"/>
+                  <a:fillRect l="-1707"/>
                 </a:stretch>
               </a:blipFill>
             </p:spPr>
@@ -16858,8 +17425,8 @@
           </a:p>
         </p:txBody>
       </p:sp>
-      <mc:AlternateContent xmlns:mc="http://schemas.openxmlformats.org/markup-compatibility/2006">
-        <mc:Choice xmlns:a14="http://schemas.microsoft.com/office/drawing/2010/main" Requires="a14">
+      <mc:AlternateContent xmlns:mc="http://schemas.openxmlformats.org/markup-compatibility/2006" xmlns:a14="http://schemas.microsoft.com/office/drawing/2010/main">
+        <mc:Choice Requires="a14">
           <p:sp>
             <p:nvSpPr>
               <p:cNvPr id="4" name="Text Placeholder 3">
@@ -17583,7 +18150,7 @@
                     <m:sSub>
                       <m:sSubPr>
                         <m:ctrlPr>
-                          <a:rPr lang="en-GB" b="0" i="0" dirty="0" smtClean="0">
+                          <a:rPr lang="en-GB" b="0" i="1" dirty="0" smtClean="0">
                             <a:latin typeface="Cambria Math" panose="02040503050406030204" pitchFamily="18" charset="0"/>
                           </a:rPr>
                         </m:ctrlPr>
@@ -17941,7 +18508,7 @@
             </p:txBody>
           </p:sp>
         </mc:Choice>
-        <mc:Fallback>
+        <mc:Fallback xmlns="">
           <p:sp>
             <p:nvSpPr>
               <p:cNvPr id="4" name="Text Placeholder 3">
@@ -18125,7 +18692,7 @@
               <p:nvPr>
                 <p:extLst>
                   <p:ext uri="{D42A27DB-BD31-4B8C-83A1-F6EECF244321}">
-                    <p14:modId xmlns:p14="http://schemas.microsoft.com/office/powerpoint/2010/main" val="3477922855"/>
+                    <p14:modId xmlns:p14="http://schemas.microsoft.com/office/powerpoint/2010/main" val="3781727652"/>
                   </p:ext>
                 </p:extLst>
               </p:nvPr>
@@ -18717,7 +19284,7 @@
                           <a:pPr algn="ctr"/>
                           <a:r>
                             <a:rPr lang="en-GB" dirty="0"/>
-                            <a:t>9.75 °C</a:t>
+                            <a:t>4.42 °C</a:t>
                           </a:r>
                         </a:p>
                       </a:txBody>
@@ -18731,7 +19298,7 @@
                           <a:pPr algn="ctr"/>
                           <a:r>
                             <a:rPr lang="en-GB" dirty="0"/>
-                            <a:t>9.75°C</a:t>
+                            <a:t>4.42°C</a:t>
                           </a:r>
                         </a:p>
                       </a:txBody>
@@ -18815,7 +19382,7 @@
                           <a:pPr algn="ctr"/>
                           <a:r>
                             <a:rPr lang="en-GB" dirty="0"/>
-                            <a:t>-2.21 °C</a:t>
+                            <a:t>-4.8 °C</a:t>
                           </a:r>
                         </a:p>
                       </a:txBody>
@@ -18829,7 +19396,7 @@
                           <a:pPr algn="ctr"/>
                           <a:r>
                             <a:rPr lang="en-GB" dirty="0"/>
-                            <a:t>-2.41 °C</a:t>
+                            <a:t>-4.95 °C</a:t>
                           </a:r>
                         </a:p>
                       </a:txBody>
@@ -18945,9 +19512,14 @@
                         <a:p>
                           <a:pPr algn="ctr"/>
                           <a:r>
-                            <a:rPr lang="en-GB" dirty="0"/>
+                            <a:rPr lang="en-GB" dirty="0" err="1"/>
                             <a:t>COP</a:t>
                           </a:r>
+                          <a:r>
+                            <a:rPr lang="en-GB" baseline="-25000" dirty="0" err="1"/>
+                            <a:t>tot</a:t>
+                          </a:r>
+                          <a:endParaRPr lang="en-GB" dirty="0"/>
                         </a:p>
                       </a:txBody>
                       <a:tcPr anchor="ctr"/>
@@ -19035,7 +19607,7 @@
               <p:nvPr>
                 <p:extLst>
                   <p:ext uri="{D42A27DB-BD31-4B8C-83A1-F6EECF244321}">
-                    <p14:modId xmlns:p14="http://schemas.microsoft.com/office/powerpoint/2010/main" val="3477922855"/>
+                    <p14:modId xmlns:p14="http://schemas.microsoft.com/office/powerpoint/2010/main" val="3781727652"/>
                   </p:ext>
                 </p:extLst>
               </p:nvPr>
@@ -19298,7 +19870,7 @@
                       </a:txBody>
                       <a:tcPr anchor="ctr">
                         <a:blipFill>
-                          <a:blip r:embed="rId2"/>
+                          <a:blip r:embed="rId3"/>
                           <a:stretch>
                             <a:fillRect l="-356" t="-269412" r="-401779" b="-594118"/>
                           </a:stretch>
@@ -19460,7 +20032,7 @@
                       </a:txBody>
                       <a:tcPr anchor="ctr">
                         <a:blipFill>
-                          <a:blip r:embed="rId2"/>
+                          <a:blip r:embed="rId3"/>
                           <a:stretch>
                             <a:fillRect l="-356" t="-479518" r="-401779" b="-407229"/>
                           </a:stretch>
@@ -19587,7 +20159,7 @@
                           <a:pPr algn="ctr"/>
                           <a:r>
                             <a:rPr lang="en-GB" dirty="0"/>
-                            <a:t>9.75 °C</a:t>
+                            <a:t>4.42 °C</a:t>
                           </a:r>
                         </a:p>
                       </a:txBody>
@@ -19601,7 +20173,7 @@
                           <a:pPr algn="ctr"/>
                           <a:r>
                             <a:rPr lang="en-GB" dirty="0"/>
-                            <a:t>9.75°C</a:t>
+                            <a:t>4.42°C</a:t>
                           </a:r>
                         </a:p>
                       </a:txBody>
@@ -19685,7 +20257,7 @@
                           <a:pPr algn="ctr"/>
                           <a:r>
                             <a:rPr lang="en-GB" dirty="0"/>
-                            <a:t>-2.21 °C</a:t>
+                            <a:t>-4.8 °C</a:t>
                           </a:r>
                         </a:p>
                       </a:txBody>
@@ -19699,7 +20271,7 @@
                           <a:pPr algn="ctr"/>
                           <a:r>
                             <a:rPr lang="en-GB" dirty="0"/>
-                            <a:t>-2.41 °C</a:t>
+                            <a:t>-4.95 °C</a:t>
                           </a:r>
                         </a:p>
                       </a:txBody>
@@ -19815,9 +20387,14 @@
                         <a:p>
                           <a:pPr algn="ctr"/>
                           <a:r>
-                            <a:rPr lang="en-GB" dirty="0"/>
+                            <a:rPr lang="en-GB" dirty="0" err="1"/>
                             <a:t>COP</a:t>
                           </a:r>
+                          <a:r>
+                            <a:rPr lang="en-GB" baseline="-25000" dirty="0" err="1"/>
+                            <a:t>tot</a:t>
+                          </a:r>
+                          <a:endParaRPr lang="en-GB" dirty="0"/>
                         </a:p>
                       </a:txBody>
                       <a:tcPr anchor="ctr"/>

--- a/Presentations/cve-tkl_Bergfest_200318.pptx
+++ b/Presentations/cve-tkl_Bergfest_200318.pptx
@@ -335,7 +335,7 @@
               <a:pPr>
                 <a:defRPr/>
               </a:pPr>
-              <a:t>19.03.2018</a:t>
+              <a:t>29.05.2018</a:t>
             </a:fld>
             <a:endParaRPr lang="de-DE" sz="1000" dirty="0">
               <a:latin typeface="Arial" pitchFamily="34" charset="0"/>
@@ -564,7 +564,7 @@
               <a:pPr>
                 <a:defRPr/>
               </a:pPr>
-              <a:t>19.03.2018</a:t>
+              <a:t>28.05.2018</a:t>
             </a:fld>
             <a:endParaRPr lang="de-DE" dirty="0"/>
           </a:p>
@@ -16311,8 +16311,8 @@
           </a:p>
         </p:txBody>
       </p:sp>
-      <mc:AlternateContent xmlns:mc="http://schemas.openxmlformats.org/markup-compatibility/2006">
-        <mc:Choice xmlns:a14="http://schemas.microsoft.com/office/drawing/2010/main" Requires="a14">
+      <mc:AlternateContent xmlns:mc="http://schemas.openxmlformats.org/markup-compatibility/2006" xmlns:a14="http://schemas.microsoft.com/office/drawing/2010/main">
+        <mc:Choice Requires="a14">
           <p:sp>
             <p:nvSpPr>
               <p:cNvPr id="5" name="Text Placeholder 4">
@@ -17318,7 +17318,7 @@
             </p:txBody>
           </p:sp>
         </mc:Choice>
-        <mc:Fallback>
+        <mc:Fallback xmlns="">
           <p:sp>
             <p:nvSpPr>
               <p:cNvPr id="5" name="Text Placeholder 4">
@@ -18675,8 +18675,8 @@
           </a:p>
         </p:txBody>
       </p:sp>
-      <mc:AlternateContent xmlns:mc="http://schemas.openxmlformats.org/markup-compatibility/2006">
-        <mc:Choice xmlns:a14="http://schemas.microsoft.com/office/drawing/2010/main" Requires="a14">
+      <mc:AlternateContent xmlns:mc="http://schemas.openxmlformats.org/markup-compatibility/2006" xmlns:a14="http://schemas.microsoft.com/office/drawing/2010/main">
+        <mc:Choice Requires="a14">
           <p:graphicFrame>
             <p:nvGraphicFramePr>
               <p:cNvPr id="8" name="Table 7">
@@ -19591,7 +19591,7 @@
             </a:graphic>
           </p:graphicFrame>
         </mc:Choice>
-        <mc:Fallback>
+        <mc:Fallback xmlns="">
           <p:graphicFrame>
             <p:nvGraphicFramePr>
               <p:cNvPr id="8" name="Table 7">
